--- a/01 Classes/Aula 02 Desenvolvimento Web PHP - HTML.pptx
+++ b/01 Classes/Aula 02 Desenvolvimento Web PHP - HTML.pptx
@@ -16063,7 +16063,7 @@
                 <a:latin typeface="Times New Roman" panose="02020603050405020304" pitchFamily="18" charset="0"/>
                 <a:cs typeface="Times New Roman" panose="02020603050405020304" pitchFamily="18" charset="0"/>
               </a:rPr>
-              <a:t> --global usern.name “</a:t>
+              <a:t> --global user.name “</a:t>
             </a:r>
             <a:r>
               <a:rPr lang="pt-BR" sz="3200" b="1" dirty="0">
@@ -16136,11 +16136,18 @@
               <a:t> --global </a:t>
             </a:r>
             <a:r>
+              <a:rPr lang="pt-BR" sz="3200" b="1">
+                <a:latin typeface="Times New Roman" panose="02020603050405020304" pitchFamily="18" charset="0"/>
+                <a:cs typeface="Times New Roman" panose="02020603050405020304" pitchFamily="18" charset="0"/>
+              </a:rPr>
+              <a:t>user.</a:t>
+            </a:r>
+            <a:r>
               <a:rPr lang="pt-BR" sz="3200" b="1" dirty="0" err="1">
                 <a:latin typeface="Times New Roman" panose="02020603050405020304" pitchFamily="18" charset="0"/>
                 <a:cs typeface="Times New Roman" panose="02020603050405020304" pitchFamily="18" charset="0"/>
               </a:rPr>
-              <a:t>usern.email</a:t>
+              <a:t>email</a:t>
             </a:r>
             <a:r>
               <a:rPr lang="pt-BR" sz="3200" b="1" dirty="0">
